--- a/papers/Case2016/pictures/pdf/Straight.pptx
+++ b/papers/Case2016/pictures/pdf/Straight.pptx
@@ -288,7 +288,7 @@
           <a:p>
             <a:fld id="{F02F824B-5CAF-ED43-8375-9FD9F2F6ED6C}" type="datetimeFigureOut">
               <a:rPr lang="en-US" smtClean="0"/>
-              <a:t>3/27/16</a:t>
+              <a:t>7/6/16</a:t>
             </a:fld>
             <a:endParaRPr lang="en-US"/>
           </a:p>
@@ -458,7 +458,7 @@
           <a:p>
             <a:fld id="{F02F824B-5CAF-ED43-8375-9FD9F2F6ED6C}" type="datetimeFigureOut">
               <a:rPr lang="en-US" smtClean="0"/>
-              <a:t>3/27/16</a:t>
+              <a:t>7/6/16</a:t>
             </a:fld>
             <a:endParaRPr lang="en-US"/>
           </a:p>
@@ -638,7 +638,7 @@
           <a:p>
             <a:fld id="{F02F824B-5CAF-ED43-8375-9FD9F2F6ED6C}" type="datetimeFigureOut">
               <a:rPr lang="en-US" smtClean="0"/>
-              <a:t>3/27/16</a:t>
+              <a:t>7/6/16</a:t>
             </a:fld>
             <a:endParaRPr lang="en-US"/>
           </a:p>
@@ -808,7 +808,7 @@
           <a:p>
             <a:fld id="{F02F824B-5CAF-ED43-8375-9FD9F2F6ED6C}" type="datetimeFigureOut">
               <a:rPr lang="en-US" smtClean="0"/>
-              <a:t>3/27/16</a:t>
+              <a:t>7/6/16</a:t>
             </a:fld>
             <a:endParaRPr lang="en-US"/>
           </a:p>
@@ -1054,7 +1054,7 @@
           <a:p>
             <a:fld id="{F02F824B-5CAF-ED43-8375-9FD9F2F6ED6C}" type="datetimeFigureOut">
               <a:rPr lang="en-US" smtClean="0"/>
-              <a:t>3/27/16</a:t>
+              <a:t>7/6/16</a:t>
             </a:fld>
             <a:endParaRPr lang="en-US"/>
           </a:p>
@@ -1342,7 +1342,7 @@
           <a:p>
             <a:fld id="{F02F824B-5CAF-ED43-8375-9FD9F2F6ED6C}" type="datetimeFigureOut">
               <a:rPr lang="en-US" smtClean="0"/>
-              <a:t>3/27/16</a:t>
+              <a:t>7/6/16</a:t>
             </a:fld>
             <a:endParaRPr lang="en-US"/>
           </a:p>
@@ -1764,7 +1764,7 @@
           <a:p>
             <a:fld id="{F02F824B-5CAF-ED43-8375-9FD9F2F6ED6C}" type="datetimeFigureOut">
               <a:rPr lang="en-US" smtClean="0"/>
-              <a:t>3/27/16</a:t>
+              <a:t>7/6/16</a:t>
             </a:fld>
             <a:endParaRPr lang="en-US"/>
           </a:p>
@@ -1882,7 +1882,7 @@
           <a:p>
             <a:fld id="{F02F824B-5CAF-ED43-8375-9FD9F2F6ED6C}" type="datetimeFigureOut">
               <a:rPr lang="en-US" smtClean="0"/>
-              <a:t>3/27/16</a:t>
+              <a:t>7/6/16</a:t>
             </a:fld>
             <a:endParaRPr lang="en-US"/>
           </a:p>
@@ -1977,7 +1977,7 @@
           <a:p>
             <a:fld id="{F02F824B-5CAF-ED43-8375-9FD9F2F6ED6C}" type="datetimeFigureOut">
               <a:rPr lang="en-US" smtClean="0"/>
-              <a:t>3/27/16</a:t>
+              <a:t>7/6/16</a:t>
             </a:fld>
             <a:endParaRPr lang="en-US"/>
           </a:p>
@@ -2254,7 +2254,7 @@
           <a:p>
             <a:fld id="{F02F824B-5CAF-ED43-8375-9FD9F2F6ED6C}" type="datetimeFigureOut">
               <a:rPr lang="en-US" smtClean="0"/>
-              <a:t>3/27/16</a:t>
+              <a:t>7/6/16</a:t>
             </a:fld>
             <a:endParaRPr lang="en-US"/>
           </a:p>
@@ -2507,7 +2507,7 @@
           <a:p>
             <a:fld id="{F02F824B-5CAF-ED43-8375-9FD9F2F6ED6C}" type="datetimeFigureOut">
               <a:rPr lang="en-US" smtClean="0"/>
-              <a:t>3/27/16</a:t>
+              <a:t>7/6/16</a:t>
             </a:fld>
             <a:endParaRPr lang="en-US"/>
           </a:p>
@@ -2720,7 +2720,7 @@
           <a:p>
             <a:fld id="{F02F824B-5CAF-ED43-8375-9FD9F2F6ED6C}" type="datetimeFigureOut">
               <a:rPr lang="en-US" smtClean="0"/>
-              <a:t>3/27/16</a:t>
+              <a:t>7/6/16</a:t>
             </a:fld>
             <a:endParaRPr lang="en-US"/>
           </a:p>
@@ -3237,10 +3237,10 @@
           </p:nvGrpSpPr>
           <p:grpSpPr>
             <a:xfrm>
-              <a:off x="306014" y="192091"/>
-              <a:ext cx="6856787" cy="1638984"/>
-              <a:chOff x="630942" y="192089"/>
-              <a:chExt cx="6856787" cy="1638984"/>
+              <a:off x="306014" y="95689"/>
+              <a:ext cx="6856787" cy="1649454"/>
+              <a:chOff x="630942" y="95687"/>
+              <a:chExt cx="6856787" cy="1649454"/>
             </a:xfrm>
           </p:grpSpPr>
           <p:grpSp>
@@ -3755,8 +3755,8 @@
             </p:nvSpPr>
             <p:spPr>
               <a:xfrm>
-                <a:off x="1662562" y="217489"/>
-                <a:ext cx="205705" cy="523220"/>
+                <a:off x="1669742" y="95687"/>
+                <a:ext cx="658115" cy="491134"/>
               </a:xfrm>
               <a:prstGeom prst="rect">
                 <a:avLst/>
@@ -3774,7 +3774,7 @@
                     <a:latin typeface="Times New Roman"/>
                     <a:cs typeface="Times New Roman"/>
                   </a:rPr>
-                  <a:t>θ</a:t>
+                  <a:t>Δθ</a:t>
                 </a:r>
                 <a:endParaRPr lang="en-US" sz="2800" b="1" i="1" dirty="0">
                   <a:latin typeface="Times New Roman"/>
@@ -3791,13 +3791,13 @@
             </p:nvSpPr>
             <p:spPr>
               <a:xfrm>
-                <a:off x="1260377" y="545362"/>
-                <a:ext cx="698567" cy="1285711"/>
+                <a:off x="1320458" y="311561"/>
+                <a:ext cx="698567" cy="1090364"/>
               </a:xfrm>
               <a:prstGeom prst="arc">
                 <a:avLst>
-                  <a:gd name="adj1" fmla="val 15134130"/>
-                  <a:gd name="adj2" fmla="val 16131963"/>
+                  <a:gd name="adj1" fmla="val 13571360"/>
+                  <a:gd name="adj2" fmla="val 15988434"/>
                 </a:avLst>
               </a:prstGeom>
               <a:ln w="50800">
@@ -3805,7 +3805,7 @@
                   <a:schemeClr val="tx1"/>
                 </a:solidFill>
                 <a:headEnd type="none" w="med" len="lg"/>
-                <a:tailEnd type="none" w="med" len="lg"/>
+                <a:tailEnd type="triangle" w="med" len="lg"/>
               </a:ln>
               <a:effectLst/>
             </p:spPr>
@@ -3875,8 +3875,8 @@
             </p:nvCxnSpPr>
             <p:spPr>
               <a:xfrm flipV="1">
-                <a:off x="1616046" y="192089"/>
-                <a:ext cx="0" cy="720710"/>
+                <a:off x="1616046" y="232724"/>
+                <a:ext cx="0" cy="680075"/>
               </a:xfrm>
               <a:prstGeom prst="line">
                 <a:avLst/>
